--- a/Presentación.pptx
+++ b/Presentación.pptx
@@ -3119,7 +3119,7 @@
             </a:pPr>
             <a:r>
               <a:rPr/>
-              <a:t>Presentación</a:t>
+              <a:t>Estudiantes desplazados en el departamento de Santander</a:t>
             </a:r>
           </a:p>
         </p:txBody>
